--- a/5HorsemenProject1.pptx
+++ b/5HorsemenProject1.pptx
@@ -7195,15 +7195,7 @@
             </a:r>
             <a:r>
               <a:rPr lang="en-US" dirty="0"/>
-              <a:t> Emissions and its </a:t>
-            </a:r>
-            <a:r>
-              <a:rPr lang="en-US"/>
-              <a:t>relation to Economic </a:t>
-            </a:r>
-            <a:r>
-              <a:rPr lang="en-US" dirty="0"/>
-              <a:t>Growth</a:t>
+              <a:t> Emissions and its relation to Economic Growth</a:t>
             </a:r>
           </a:p>
         </p:txBody>
@@ -9133,8 +9125,13 @@
             </a:r>
             <a:r>
               <a:rPr lang="en-US" dirty="0"/>
-              <a:t>emissions) decreases with increases in economic growth but then improves as the economy grows after reaching a certain threshold level.</a:t>
-            </a:r>
+              <a:t>emissions) is related to </a:t>
+            </a:r>
+            <a:r>
+              <a:rPr lang="en-US"/>
+              <a:t>economic growth.</a:t>
+            </a:r>
+            <a:endParaRPr lang="en-US" dirty="0"/>
           </a:p>
         </p:txBody>
       </p:sp>
